--- a/Presentation/Presentation IF26.pptx
+++ b/Presentation/Presentation IF26.pptx
@@ -16444,7 +16444,7 @@
             <a:pPr marL="109728" indent="0">
               <a:buNone/>
             </a:pPr>
-            <a:endParaRPr lang="fr-FR" sz="2400" dirty="0">
+            <a:endParaRPr lang="fr-FR" sz="1000" dirty="0">
               <a:solidFill>
                 <a:schemeClr val="accent6">
                   <a:lumMod val="50000"/>
@@ -16514,20 +16514,6 @@
               </a:rPr>
               <a:t> (+ plugins)</a:t>
             </a:r>
-            <a:endParaRPr lang="fr-FR" sz="2400" dirty="0" smtClean="0">
-              <a:solidFill>
-                <a:schemeClr val="accent6">
-                  <a:lumMod val="50000"/>
-                </a:schemeClr>
-              </a:solidFill>
-              <a:effectLst>
-                <a:outerShdw blurRad="38100" dist="38100" dir="2700000" algn="tl">
-                  <a:srgbClr val="000000">
-                    <a:alpha val="43137"/>
-                  </a:srgbClr>
-                </a:outerShdw>
-              </a:effectLst>
-            </a:endParaRPr>
           </a:p>
           <a:p>
             <a:pPr>
@@ -16850,7 +16836,7 @@
         </p:blipFill>
         <p:spPr bwMode="auto">
           <a:xfrm>
-            <a:off x="540109" y="2996952"/>
+            <a:off x="1082658" y="2996952"/>
             <a:ext cx="1013273" cy="2015387"/>
           </a:xfrm>
           <a:prstGeom prst="rect">
@@ -16891,7 +16877,7 @@
         </p:blipFill>
         <p:spPr bwMode="auto">
           <a:xfrm>
-            <a:off x="4890597" y="2996951"/>
+            <a:off x="5433146" y="2996951"/>
             <a:ext cx="1410990" cy="2117809"/>
           </a:xfrm>
           <a:prstGeom prst="rect">
@@ -16917,8 +16903,8 @@
         </p:nvSpPr>
         <p:spPr>
           <a:xfrm>
-            <a:off x="1745907" y="2996950"/>
-            <a:ext cx="2658578" cy="2554545"/>
+            <a:off x="2306424" y="2739734"/>
+            <a:ext cx="2658578" cy="2923877"/>
           </a:xfrm>
           <a:prstGeom prst="rect">
             <a:avLst/>
@@ -16946,8 +16932,58 @@
                   </a:outerShdw>
                 </a:effectLst>
               </a:rPr>
-              <a:t>HTML 5</a:t>
-            </a:r>
+              <a:t>HTML </a:t>
+            </a:r>
+            <a:r>
+              <a:rPr lang="fr-FR" sz="2400" dirty="0" smtClean="0">
+                <a:solidFill>
+                  <a:schemeClr val="accent6">
+                    <a:lumMod val="50000"/>
+                  </a:schemeClr>
+                </a:solidFill>
+                <a:effectLst>
+                  <a:outerShdw blurRad="38100" dist="38100" dir="2700000" algn="tl">
+                    <a:srgbClr val="000000">
+                      <a:alpha val="43137"/>
+                    </a:srgbClr>
+                  </a:outerShdw>
+                </a:effectLst>
+              </a:rPr>
+              <a:t>5</a:t>
+            </a:r>
+          </a:p>
+          <a:p>
+            <a:r>
+              <a:rPr lang="fr-FR" sz="2400" dirty="0" smtClean="0">
+                <a:solidFill>
+                  <a:schemeClr val="accent6">
+                    <a:lumMod val="50000"/>
+                  </a:schemeClr>
+                </a:solidFill>
+                <a:effectLst>
+                  <a:outerShdw blurRad="38100" dist="38100" dir="2700000" algn="tl">
+                    <a:srgbClr val="000000">
+                      <a:alpha val="43137"/>
+                    </a:srgbClr>
+                  </a:outerShdw>
+                </a:effectLst>
+              </a:rPr>
+              <a:t>CSS 3</a:t>
+            </a:r>
+            <a:endParaRPr lang="fr-FR" sz="2400" dirty="0" smtClean="0">
+              <a:solidFill>
+                <a:schemeClr val="accent6">
+                  <a:lumMod val="50000"/>
+                </a:schemeClr>
+              </a:solidFill>
+              <a:effectLst>
+                <a:outerShdw blurRad="38100" dist="38100" dir="2700000" algn="tl">
+                  <a:srgbClr val="000000">
+                    <a:alpha val="43137"/>
+                  </a:srgbClr>
+                </a:outerShdw>
+              </a:effectLst>
+            </a:endParaRPr>
           </a:p>
           <a:p>
             <a:r>
@@ -17180,8 +17216,8 @@
         </p:nvSpPr>
         <p:spPr>
           <a:xfrm>
-            <a:off x="6546781" y="2996949"/>
-            <a:ext cx="2417707" cy="830997"/>
+            <a:off x="7107299" y="2739733"/>
+            <a:ext cx="1569158" cy="830997"/>
           </a:xfrm>
           <a:prstGeom prst="rect">
             <a:avLst/>
@@ -17253,7 +17289,7 @@
         </p:nvSpPr>
         <p:spPr>
           <a:xfrm>
-            <a:off x="1331640" y="5263463"/>
+            <a:off x="1874189" y="5263463"/>
             <a:ext cx="4549346" cy="576064"/>
           </a:xfrm>
           <a:prstGeom prst="curvedUpArrow">
@@ -17297,7 +17333,7 @@
         </p:nvSpPr>
         <p:spPr>
           <a:xfrm flipH="1">
-            <a:off x="1016160" y="5423550"/>
+            <a:off x="1558709" y="5423550"/>
             <a:ext cx="4995999" cy="576064"/>
           </a:xfrm>
           <a:prstGeom prst="curvedUpArrow">
@@ -17341,7 +17377,7 @@
         </p:nvSpPr>
         <p:spPr>
           <a:xfrm>
-            <a:off x="2339752" y="5999614"/>
+            <a:off x="2882301" y="5999614"/>
             <a:ext cx="2658578" cy="461665"/>
           </a:xfrm>
           <a:prstGeom prst="rect">
@@ -18524,6 +18560,33 @@
                                   </p:childTnLst>
                                 </p:cTn>
                               </p:par>
+                              <p:par>
+                                <p:cTn id="9" presetID="1" presetClass="entr" presetSubtype="0" fill="hold" grpId="0" nodeType="withEffect">
+                                  <p:stCondLst>
+                                    <p:cond delay="0"/>
+                                  </p:stCondLst>
+                                  <p:childTnLst>
+                                    <p:set>
+                                      <p:cBhvr>
+                                        <p:cTn id="10" dur="1" fill="hold">
+                                          <p:stCondLst>
+                                            <p:cond delay="0"/>
+                                          </p:stCondLst>
+                                        </p:cTn>
+                                        <p:tgtEl>
+                                          <p:spTgt spid="9"/>
+                                        </p:tgtEl>
+                                        <p:attrNameLst>
+                                          <p:attrName>style.visibility</p:attrName>
+                                        </p:attrNameLst>
+                                      </p:cBhvr>
+                                      <p:to>
+                                        <p:strVal val="visible"/>
+                                      </p:to>
+                                    </p:set>
+                                  </p:childTnLst>
+                                </p:cTn>
+                              </p:par>
                             </p:childTnLst>
                           </p:cTn>
                         </p:par>
@@ -18553,6 +18616,7 @@
     </p:tnLst>
     <p:bldLst>
       <p:bldP spid="7" grpId="0" animBg="1"/>
+      <p:bldP spid="9" grpId="0"/>
       <p:bldP spid="8" grpId="0" animBg="1"/>
     </p:bldLst>
   </p:timing>
@@ -19253,7 +19317,7 @@
         <p:spPr>
           <a:xfrm>
             <a:off x="4067944" y="2841282"/>
-            <a:ext cx="4075745" cy="1200329"/>
+            <a:ext cx="4320480" cy="1200329"/>
           </a:xfrm>
           <a:prstGeom prst="rect">
             <a:avLst/>
@@ -19281,7 +19345,24 @@
                   </a:outerShdw>
                 </a:effectLst>
               </a:rPr>
-              <a:t>Fichier de style (CSS) + images</a:t>
+              <a:t>Fichiers </a:t>
+            </a:r>
+            <a:r>
+              <a:rPr lang="fr-FR" sz="2400" dirty="0" smtClean="0">
+                <a:solidFill>
+                  <a:schemeClr val="accent6">
+                    <a:lumMod val="50000"/>
+                  </a:schemeClr>
+                </a:solidFill>
+                <a:effectLst>
+                  <a:outerShdw blurRad="38100" dist="38100" dir="2700000" algn="tl">
+                    <a:srgbClr val="000000">
+                      <a:alpha val="43137"/>
+                    </a:srgbClr>
+                  </a:outerShdw>
+                </a:effectLst>
+              </a:rPr>
+              <a:t>de style (CSS) + images</a:t>
             </a:r>
           </a:p>
           <a:p>

--- a/Presentation/Presentation IF26.pptx
+++ b/Presentation/Presentation IF26.pptx
@@ -213,7 +213,7 @@
             <a:fld id="{C8A64E49-555C-4914-82C7-78B9263499EB}" type="datetimeFigureOut">
               <a:rPr lang="fr-FR" smtClean="0"/>
               <a:pPr/>
-              <a:t>07/01/2013</a:t>
+              <a:t>08/01/2013</a:t>
             </a:fld>
             <a:endParaRPr lang="fr-FR"/>
           </a:p>
@@ -1312,7 +1312,7 @@
           <a:p>
             <a:fld id="{F69038DB-DB27-4C81-A99E-EDC406D87CE1}" type="datetime1">
               <a:rPr lang="fr-FR" smtClean="0"/>
-              <a:t>07/01/2013</a:t>
+              <a:t>08/01/2013</a:t>
             </a:fld>
             <a:endParaRPr lang="fr-FR"/>
           </a:p>
@@ -1496,7 +1496,7 @@
           <a:p>
             <a:fld id="{F0571686-CF20-4A0B-8B61-492E3DA4E76D}" type="datetime1">
               <a:rPr lang="fr-FR" smtClean="0"/>
-              <a:t>07/01/2013</a:t>
+              <a:t>08/01/2013</a:t>
             </a:fld>
             <a:endParaRPr lang="fr-FR"/>
           </a:p>
@@ -1672,7 +1672,7 @@
           <a:p>
             <a:fld id="{7C75FE9E-1F1B-474D-87DD-E94BF53DF9B2}" type="datetime1">
               <a:rPr lang="fr-FR" smtClean="0"/>
-              <a:t>07/01/2013</a:t>
+              <a:t>08/01/2013</a:t>
             </a:fld>
             <a:endParaRPr lang="fr-FR"/>
           </a:p>
@@ -1838,7 +1838,7 @@
           <a:p>
             <a:fld id="{6ED2B56A-06DF-46AA-AE22-01555B55BA06}" type="datetime1">
               <a:rPr lang="fr-FR" smtClean="0"/>
-              <a:t>07/01/2013</a:t>
+              <a:t>08/01/2013</a:t>
             </a:fld>
             <a:endParaRPr lang="fr-FR"/>
           </a:p>
@@ -2060,7 +2060,7 @@
           <a:p>
             <a:fld id="{9CDBD0C8-D033-408A-BB9E-47E89B01D8DF}" type="datetime1">
               <a:rPr lang="fr-FR" smtClean="0"/>
-              <a:t>07/01/2013</a:t>
+              <a:t>08/01/2013</a:t>
             </a:fld>
             <a:endParaRPr lang="fr-FR"/>
           </a:p>
@@ -2320,7 +2320,7 @@
           <a:p>
             <a:fld id="{06F6D62E-40AD-46AA-9570-BB67791276A8}" type="datetime1">
               <a:rPr lang="fr-FR" smtClean="0"/>
-              <a:t>07/01/2013</a:t>
+              <a:t>08/01/2013</a:t>
             </a:fld>
             <a:endParaRPr lang="fr-FR"/>
           </a:p>
@@ -2725,7 +2725,7 @@
           <a:p>
             <a:fld id="{5B990584-B0F5-4C80-8615-63F6B6650DAA}" type="datetime1">
               <a:rPr lang="fr-FR" smtClean="0"/>
-              <a:t>07/01/2013</a:t>
+              <a:t>08/01/2013</a:t>
             </a:fld>
             <a:endParaRPr lang="fr-FR"/>
           </a:p>
@@ -2857,7 +2857,7 @@
           <a:p>
             <a:fld id="{67097661-A49E-4A2A-AE45-1694091695EA}" type="datetime1">
               <a:rPr lang="fr-FR" smtClean="0"/>
-              <a:t>07/01/2013</a:t>
+              <a:t>08/01/2013</a:t>
             </a:fld>
             <a:endParaRPr lang="fr-FR"/>
           </a:p>
@@ -2958,7 +2958,7 @@
           <a:p>
             <a:fld id="{AAF7C268-C145-4C2F-8577-BD5E667C29C1}" type="datetime1">
               <a:rPr lang="fr-FR" smtClean="0"/>
-              <a:t>07/01/2013</a:t>
+              <a:t>08/01/2013</a:t>
             </a:fld>
             <a:endParaRPr lang="fr-FR"/>
           </a:p>
@@ -3204,7 +3204,7 @@
           <a:p>
             <a:fld id="{1DCEBBFF-8C8A-4EA2-A070-C25A10008A17}" type="datetime1">
               <a:rPr lang="fr-FR" smtClean="0"/>
-              <a:t>07/01/2013</a:t>
+              <a:t>08/01/2013</a:t>
             </a:fld>
             <a:endParaRPr lang="fr-FR"/>
           </a:p>
@@ -3449,7 +3449,7 @@
           <a:p>
             <a:fld id="{292C543B-154D-4461-A8A8-30F5B7DCFC53}" type="datetime1">
               <a:rPr lang="fr-FR" smtClean="0"/>
-              <a:t>07/01/2013</a:t>
+              <a:t>08/01/2013</a:t>
             </a:fld>
             <a:endParaRPr lang="fr-FR"/>
           </a:p>
@@ -4274,7 +4274,7 @@
           <a:p>
             <a:fld id="{2AFD231C-2EC0-461A-BD1C-387FB840F521}" type="datetime1">
               <a:rPr lang="fr-FR" smtClean="0"/>
-              <a:t>07/01/2013</a:t>
+              <a:t>08/01/2013</a:t>
             </a:fld>
             <a:endParaRPr lang="fr-FR"/>
           </a:p>
@@ -16932,8 +16932,10 @@
                   </a:outerShdw>
                 </a:effectLst>
               </a:rPr>
-              <a:t>HTML </a:t>
-            </a:r>
+              <a:t>HTML 5</a:t>
+            </a:r>
+          </a:p>
+          <a:p>
             <a:r>
               <a:rPr lang="fr-FR" sz="2400" dirty="0" smtClean="0">
                 <a:solidFill>
@@ -16949,41 +16951,8 @@
                   </a:outerShdw>
                 </a:effectLst>
               </a:rPr>
-              <a:t>5</a:t>
-            </a:r>
-          </a:p>
-          <a:p>
-            <a:r>
-              <a:rPr lang="fr-FR" sz="2400" dirty="0" smtClean="0">
-                <a:solidFill>
-                  <a:schemeClr val="accent6">
-                    <a:lumMod val="50000"/>
-                  </a:schemeClr>
-                </a:solidFill>
-                <a:effectLst>
-                  <a:outerShdw blurRad="38100" dist="38100" dir="2700000" algn="tl">
-                    <a:srgbClr val="000000">
-                      <a:alpha val="43137"/>
-                    </a:srgbClr>
-                  </a:outerShdw>
-                </a:effectLst>
-              </a:rPr>
               <a:t>CSS 3</a:t>
             </a:r>
-            <a:endParaRPr lang="fr-FR" sz="2400" dirty="0" smtClean="0">
-              <a:solidFill>
-                <a:schemeClr val="accent6">
-                  <a:lumMod val="50000"/>
-                </a:schemeClr>
-              </a:solidFill>
-              <a:effectLst>
-                <a:outerShdw blurRad="38100" dist="38100" dir="2700000" algn="tl">
-                  <a:srgbClr val="000000">
-                    <a:alpha val="43137"/>
-                  </a:srgbClr>
-                </a:outerShdw>
-              </a:effectLst>
-            </a:endParaRPr>
           </a:p>
           <a:p>
             <a:r>
@@ -19345,24 +19314,7 @@
                   </a:outerShdw>
                 </a:effectLst>
               </a:rPr>
-              <a:t>Fichiers </a:t>
-            </a:r>
-            <a:r>
-              <a:rPr lang="fr-FR" sz="2400" dirty="0" smtClean="0">
-                <a:solidFill>
-                  <a:schemeClr val="accent6">
-                    <a:lumMod val="50000"/>
-                  </a:schemeClr>
-                </a:solidFill>
-                <a:effectLst>
-                  <a:outerShdw blurRad="38100" dist="38100" dir="2700000" algn="tl">
-                    <a:srgbClr val="000000">
-                      <a:alpha val="43137"/>
-                    </a:srgbClr>
-                  </a:outerShdw>
-                </a:effectLst>
-              </a:rPr>
-              <a:t>de style (CSS) + images</a:t>
+              <a:t>Fichiers de style (CSS) + images</a:t>
             </a:r>
           </a:p>
           <a:p>
@@ -19702,42 +19654,42 @@
 <file path=ppt/theme/theme1.xml><?xml version="1.0" encoding="utf-8"?>
 <a:theme xmlns:a="http://schemas.openxmlformats.org/drawingml/2006/main" name="Urbain">
   <a:themeElements>
-    <a:clrScheme name="Angles">
+    <a:clrScheme name="Perspective">
       <a:dk1>
-        <a:srgbClr val="000000"/>
+        <a:sysClr val="windowText" lastClr="000000"/>
       </a:dk1>
       <a:lt1>
-        <a:srgbClr val="FFFFFF"/>
+        <a:sysClr val="window" lastClr="FFFFFF"/>
       </a:lt1>
       <a:dk2>
-        <a:srgbClr val="434342"/>
+        <a:srgbClr val="283138"/>
       </a:dk2>
       <a:lt2>
-        <a:srgbClr val="CDD7D9"/>
+        <a:srgbClr val="FF8600"/>
       </a:lt2>
       <a:accent1>
-        <a:srgbClr val="797B7E"/>
+        <a:srgbClr val="838D9B"/>
       </a:accent1>
       <a:accent2>
-        <a:srgbClr val="F96A1B"/>
+        <a:srgbClr val="D2610C"/>
       </a:accent2>
       <a:accent3>
-        <a:srgbClr val="08A1D9"/>
+        <a:srgbClr val="80716A"/>
       </a:accent3>
       <a:accent4>
-        <a:srgbClr val="7C984A"/>
+        <a:srgbClr val="94147C"/>
       </a:accent4>
       <a:accent5>
-        <a:srgbClr val="C2AD8D"/>
+        <a:srgbClr val="5D5AD2"/>
       </a:accent5>
       <a:accent6>
-        <a:srgbClr val="506E94"/>
+        <a:srgbClr val="6F6C7D"/>
       </a:accent6>
       <a:hlink>
-        <a:srgbClr val="5F5F5F"/>
+        <a:srgbClr val="6187E3"/>
       </a:hlink>
       <a:folHlink>
-        <a:srgbClr val="969696"/>
+        <a:srgbClr val="7B8EB8"/>
       </a:folHlink>
     </a:clrScheme>
     <a:fontScheme name="Office Classique">
